--- a/Besa_Duran_Llanos/Fase_1/Grupales/Presentacion.pptx
+++ b/Besa_Duran_Llanos/Fase_1/Grupales/Presentacion.pptx
@@ -256,8 +256,11 @@
     </a:lvl9pPr>
   </p:defaultTextStyle>
   <p:extLst>
+    <p:ext uri="{EFAFB233-063F-42B5-8137-9DF3F51BA10A}">
+      <p15:sldGuideLst xmlns:p15="http://schemas.microsoft.com/office/powerpoint/2012/main"/>
+    </p:ext>
     <p:ext uri="GoogleSlidesCustomDataVersion2">
-      <go:slidesCustomData xmlns:go="http://customooxmlschemas.google.com/" xmlns:ahyp="http://schemas.microsoft.com/office/drawing/2018/hyperlinkcolor" xmlns:p15="http://schemas.microsoft.com/office/powerpoint/2012/main" xmlns:p14="http://schemas.microsoft.com/office/powerpoint/2010/main" xmlns:com="http://schemas.openxmlformats.org/drawingml/2006/compatibility" xmlns:pvml="urn:schemas-microsoft-com:office:powerpoint" xmlns:v="urn:schemas-microsoft-com:vml" xmlns:o="urn:schemas-microsoft-com:office:office" xmlns:dgm="http://schemas.openxmlformats.org/drawingml/2006/diagram" xmlns:c="http://schemas.openxmlformats.org/drawingml/2006/chart" xmlns:mv="urn:schemas-microsoft-com:mac:vml" xmlns:mc="http://schemas.openxmlformats.org/markup-compatibility/2006" xmlns="" r:id="rId15" roundtripDataSignature="AMtx7miRBa7O0qewptNsoYMahcogsdRQIw=="/>
+      <go:slidesCustomData xmlns="" xmlns:mc="http://schemas.openxmlformats.org/markup-compatibility/2006" xmlns:mv="urn:schemas-microsoft-com:mac:vml" xmlns:c="http://schemas.openxmlformats.org/drawingml/2006/chart" xmlns:dgm="http://schemas.openxmlformats.org/drawingml/2006/diagram" xmlns:o="urn:schemas-microsoft-com:office:office" xmlns:v="urn:schemas-microsoft-com:vml" xmlns:pvml="urn:schemas-microsoft-com:office:powerpoint" xmlns:com="http://schemas.openxmlformats.org/drawingml/2006/compatibility" xmlns:p14="http://schemas.microsoft.com/office/powerpoint/2010/main" xmlns:p15="http://schemas.microsoft.com/office/powerpoint/2012/main" xmlns:ahyp="http://schemas.microsoft.com/office/drawing/2018/hyperlinkcolor" xmlns:go="http://customooxmlschemas.google.com/" r:id="rId15" roundtripDataSignature="AMtx7miRBa7O0qewptNsoYMahcogsdRQIw=="/>
     </p:ext>
   </p:extLst>
 </p:presentation>
@@ -4043,8 +4046,8 @@
         </p:nvSpPr>
         <p:spPr>
           <a:xfrm>
-            <a:off x="1143225" y="685800"/>
-            <a:ext cx="4572225" cy="3429000"/>
+            <a:off x="381000" y="685800"/>
+            <a:ext cx="6096000" cy="3429000"/>
           </a:xfrm>
           <a:custGeom>
             <a:avLst/>
@@ -4898,7 +4901,7 @@
             </a:pPr>
             <a:fld id="{00000000-1234-1234-1234-123412341234}" type="slidenum">
               <a:rPr lang="es-ES"/>
-              <a:t>‹#›</a:t>
+              <a:t>‹Nº›</a:t>
             </a:fld>
             <a:endParaRPr/>
           </a:p>
@@ -5625,7 +5628,7 @@
             </a:pPr>
             <a:fld id="{00000000-1234-1234-1234-123412341234}" type="slidenum">
               <a:rPr lang="es-ES"/>
-              <a:t>‹#›</a:t>
+              <a:t>‹Nº›</a:t>
             </a:fld>
             <a:endParaRPr/>
           </a:p>
@@ -6352,7 +6355,7 @@
             </a:pPr>
             <a:fld id="{00000000-1234-1234-1234-123412341234}" type="slidenum">
               <a:rPr lang="es-ES"/>
-              <a:t>‹#›</a:t>
+              <a:t>‹Nº›</a:t>
             </a:fld>
             <a:endParaRPr/>
           </a:p>
@@ -7079,7 +7082,7 @@
             </a:pPr>
             <a:fld id="{00000000-1234-1234-1234-123412341234}" type="slidenum">
               <a:rPr lang="es-ES"/>
-              <a:t>‹#›</a:t>
+              <a:t>‹Nº›</a:t>
             </a:fld>
             <a:endParaRPr/>
           </a:p>
@@ -7843,7 +7846,7 @@
             </a:pPr>
             <a:fld id="{00000000-1234-1234-1234-123412341234}" type="slidenum">
               <a:rPr lang="es-ES"/>
-              <a:t>‹#›</a:t>
+              <a:t>‹Nº›</a:t>
             </a:fld>
             <a:endParaRPr/>
           </a:p>
@@ -8757,7 +8760,7 @@
             </a:pPr>
             <a:fld id="{00000000-1234-1234-1234-123412341234}" type="slidenum">
               <a:rPr lang="es-ES"/>
-              <a:t>‹#›</a:t>
+              <a:t>‹Nº›</a:t>
             </a:fld>
             <a:endParaRPr/>
           </a:p>
@@ -10045,7 +10048,7 @@
             </a:pPr>
             <a:fld id="{00000000-1234-1234-1234-123412341234}" type="slidenum">
               <a:rPr lang="es-ES"/>
-              <a:t>‹#›</a:t>
+              <a:t>‹Nº›</a:t>
             </a:fld>
             <a:endParaRPr/>
           </a:p>
@@ -10585,7 +10588,7 @@
             </a:pPr>
             <a:fld id="{00000000-1234-1234-1234-123412341234}" type="slidenum">
               <a:rPr lang="es-ES"/>
-              <a:t>‹#›</a:t>
+              <a:t>‹Nº›</a:t>
             </a:fld>
             <a:endParaRPr/>
           </a:p>
@@ -10986,7 +10989,7 @@
             </a:pPr>
             <a:fld id="{00000000-1234-1234-1234-123412341234}" type="slidenum">
               <a:rPr lang="es-ES"/>
-              <a:t>‹#›</a:t>
+              <a:t>‹Nº›</a:t>
             </a:fld>
             <a:endParaRPr/>
           </a:p>
@@ -11901,7 +11904,7 @@
             </a:pPr>
             <a:fld id="{00000000-1234-1234-1234-123412341234}" type="slidenum">
               <a:rPr lang="es-ES"/>
-              <a:t>‹#›</a:t>
+              <a:t>‹Nº›</a:t>
             </a:fld>
             <a:endParaRPr/>
           </a:p>
@@ -12653,7 +12656,7 @@
             </a:pPr>
             <a:fld id="{00000000-1234-1234-1234-123412341234}" type="slidenum">
               <a:rPr lang="es-ES"/>
-              <a:t>‹#›</a:t>
+              <a:t>‹Nº›</a:t>
             </a:fld>
             <a:endParaRPr/>
           </a:p>
@@ -13694,7 +13697,7 @@
             </a:pPr>
             <a:fld id="{00000000-1234-1234-1234-123412341234}" type="slidenum">
               <a:rPr lang="es-ES"/>
-              <a:t>‹#›</a:t>
+              <a:t>‹Nº›</a:t>
             </a:fld>
             <a:endParaRPr/>
           </a:p>
@@ -20130,14 +20133,22 @@
               <a:buNone/>
             </a:pPr>
             <a:r>
+              <a:rPr lang="es-ES" b="1" dirty="0">
+                <a:solidFill>
+                  <a:schemeClr val="lt1"/>
+                </a:solidFill>
+              </a:rPr>
+              <a:t>Propuesta inicial de base </a:t>
+            </a:r>
+            <a:r>
               <a:rPr lang="es-ES" b="1">
                 <a:solidFill>
                   <a:schemeClr val="lt1"/>
                 </a:solidFill>
               </a:rPr>
-              <a:t>Propuesta inicial de base de datos</a:t>
+              <a:t>de datos</a:t>
             </a:r>
-            <a:endParaRPr>
+            <a:endParaRPr dirty="0">
               <a:solidFill>
                 <a:schemeClr val="lt1"/>
               </a:solidFill>
@@ -20190,7 +20201,1760 @@
               <a:buSzPts val="2800"/>
               <a:buNone/>
             </a:pPr>
-            <a:endParaRPr/>
+            <a:endParaRPr dirty="0"/>
+          </a:p>
+        </p:txBody>
+      </p:sp>
+      <p:graphicFrame>
+        <p:nvGraphicFramePr>
+          <p:cNvPr id="2" name="Tabla 1">
+            <a:extLst>
+              <a:ext uri="{FF2B5EF4-FFF2-40B4-BE49-F238E27FC236}">
+                <a16:creationId xmlns:a16="http://schemas.microsoft.com/office/drawing/2014/main" id="{886EC672-0B1D-654B-FDAD-1FB7BAF1D872}"/>
+              </a:ext>
+            </a:extLst>
+          </p:cNvPr>
+          <p:cNvGraphicFramePr>
+            <a:graphicFrameLocks noGrp="1"/>
+          </p:cNvGraphicFramePr>
+          <p:nvPr>
+            <p:extLst>
+              <p:ext uri="{D42A27DB-BD31-4B8C-83A1-F6EECF244321}">
+                <p14:modId xmlns:p14="http://schemas.microsoft.com/office/powerpoint/2010/main" val="4189306794"/>
+              </p:ext>
+            </p:extLst>
+          </p:nvPr>
+        </p:nvGraphicFramePr>
+        <p:xfrm>
+          <a:off x="6449685" y="2009909"/>
+          <a:ext cx="4612187" cy="1483809"/>
+        </p:xfrm>
+        <a:graphic>
+          <a:graphicData uri="http://schemas.openxmlformats.org/drawingml/2006/table">
+            <a:tbl>
+              <a:tblPr firstRow="1" bandRow="1">
+                <a:tableStyleId>{5C22544A-7EE6-4342-B048-85BDC9FD1C3A}</a:tableStyleId>
+              </a:tblPr>
+              <a:tblGrid>
+                <a:gridCol w="1519737">
+                  <a:extLst>
+                    <a:ext uri="{9D8B030D-6E8A-4147-A177-3AD203B41FA5}">
+                      <a16:colId xmlns:a16="http://schemas.microsoft.com/office/drawing/2014/main" val="2903586786"/>
+                    </a:ext>
+                  </a:extLst>
+                </a:gridCol>
+                <a:gridCol w="1519737">
+                  <a:extLst>
+                    <a:ext uri="{9D8B030D-6E8A-4147-A177-3AD203B41FA5}">
+                      <a16:colId xmlns:a16="http://schemas.microsoft.com/office/drawing/2014/main" val="3147054650"/>
+                    </a:ext>
+                  </a:extLst>
+                </a:gridCol>
+                <a:gridCol w="1572713">
+                  <a:extLst>
+                    <a:ext uri="{9D8B030D-6E8A-4147-A177-3AD203B41FA5}">
+                      <a16:colId xmlns:a16="http://schemas.microsoft.com/office/drawing/2014/main" val="1882166509"/>
+                    </a:ext>
+                  </a:extLst>
+                </a:gridCol>
+              </a:tblGrid>
+              <a:tr h="243235">
+                <a:tc>
+                  <a:txBody>
+                    <a:bodyPr/>
+                    <a:lstStyle/>
+                    <a:p>
+                      <a:r>
+                        <a:rPr lang="es-CL" sz="1000" dirty="0"/>
+                        <a:t>Campo</a:t>
+                      </a:r>
+                    </a:p>
+                  </a:txBody>
+                  <a:tcPr/>
+                </a:tc>
+                <a:tc>
+                  <a:txBody>
+                    <a:bodyPr/>
+                    <a:lstStyle/>
+                    <a:p>
+                      <a:r>
+                        <a:rPr lang="es-CL" sz="1000" dirty="0"/>
+                        <a:t>Tipo</a:t>
+                      </a:r>
+                    </a:p>
+                  </a:txBody>
+                  <a:tcPr/>
+                </a:tc>
+                <a:tc>
+                  <a:txBody>
+                    <a:bodyPr/>
+                    <a:lstStyle/>
+                    <a:p>
+                      <a:r>
+                        <a:rPr lang="es-CL" sz="1000" dirty="0"/>
+                        <a:t>Descripción</a:t>
+                      </a:r>
+                    </a:p>
+                  </a:txBody>
+                  <a:tcPr/>
+                </a:tc>
+                <a:extLst>
+                  <a:ext uri="{0D108BD9-81ED-4DB2-BD59-A6C34878D82A}">
+                    <a16:rowId xmlns:a16="http://schemas.microsoft.com/office/drawing/2014/main" val="3230945354"/>
+                  </a:ext>
+                </a:extLst>
+              </a:tr>
+              <a:tr h="413323">
+                <a:tc>
+                  <a:txBody>
+                    <a:bodyPr/>
+                    <a:lstStyle/>
+                    <a:p>
+                      <a:r>
+                        <a:rPr lang="es-CL" sz="1000" dirty="0"/>
+                        <a:t>id (PK)</a:t>
+                      </a:r>
+                    </a:p>
+                  </a:txBody>
+                  <a:tcPr/>
+                </a:tc>
+                <a:tc>
+                  <a:txBody>
+                    <a:bodyPr/>
+                    <a:lstStyle/>
+                    <a:p>
+                      <a:r>
+                        <a:rPr lang="es-CL" sz="1000" dirty="0"/>
+                        <a:t>INT</a:t>
+                      </a:r>
+                    </a:p>
+                  </a:txBody>
+                  <a:tcPr/>
+                </a:tc>
+                <a:tc>
+                  <a:txBody>
+                    <a:bodyPr/>
+                    <a:lstStyle/>
+                    <a:p>
+                      <a:pPr marL="0" marR="0" lvl="0" indent="0" algn="l" defTabSz="914400" rtl="0" eaLnBrk="1" fontAlgn="auto" latinLnBrk="0" hangingPunct="1">
+                        <a:lnSpc>
+                          <a:spcPct val="100000"/>
+                        </a:lnSpc>
+                        <a:spcBef>
+                          <a:spcPts val="0"/>
+                        </a:spcBef>
+                        <a:spcAft>
+                          <a:spcPts val="0"/>
+                        </a:spcAft>
+                        <a:buClr>
+                          <a:srgbClr val="000000"/>
+                        </a:buClr>
+                        <a:buSzTx/>
+                        <a:buFont typeface="Arial"/>
+                        <a:buNone/>
+                        <a:tabLst/>
+                        <a:defRPr/>
+                      </a:pPr>
+                      <a:r>
+                        <a:rPr lang="es-CL" sz="1000" dirty="0"/>
+                        <a:t>Identificador único del técnico</a:t>
+                      </a:r>
+                    </a:p>
+                  </a:txBody>
+                  <a:tcPr/>
+                </a:tc>
+                <a:extLst>
+                  <a:ext uri="{0D108BD9-81ED-4DB2-BD59-A6C34878D82A}">
+                    <a16:rowId xmlns:a16="http://schemas.microsoft.com/office/drawing/2014/main" val="1582772821"/>
+                  </a:ext>
+                </a:extLst>
+              </a:tr>
+              <a:tr h="413323">
+                <a:tc>
+                  <a:txBody>
+                    <a:bodyPr/>
+                    <a:lstStyle/>
+                    <a:p>
+                      <a:r>
+                        <a:rPr lang="es-CL" sz="1000" dirty="0" err="1"/>
+                        <a:t>usuario_id</a:t>
+                      </a:r>
+                      <a:r>
+                        <a:rPr lang="es-CL" sz="1000" dirty="0"/>
+                        <a:t> (FK)</a:t>
+                      </a:r>
+                    </a:p>
+                  </a:txBody>
+                  <a:tcPr/>
+                </a:tc>
+                <a:tc>
+                  <a:txBody>
+                    <a:bodyPr/>
+                    <a:lstStyle/>
+                    <a:p>
+                      <a:r>
+                        <a:rPr lang="es-CL" sz="1000" dirty="0"/>
+                        <a:t>INT</a:t>
+                      </a:r>
+                    </a:p>
+                  </a:txBody>
+                  <a:tcPr/>
+                </a:tc>
+                <a:tc>
+                  <a:txBody>
+                    <a:bodyPr/>
+                    <a:lstStyle/>
+                    <a:p>
+                      <a:r>
+                        <a:rPr lang="es-CL" sz="1000" dirty="0"/>
+                        <a:t>Referencia al usuario asociado</a:t>
+                      </a:r>
+                    </a:p>
+                  </a:txBody>
+                  <a:tcPr/>
+                </a:tc>
+                <a:extLst>
+                  <a:ext uri="{0D108BD9-81ED-4DB2-BD59-A6C34878D82A}">
+                    <a16:rowId xmlns:a16="http://schemas.microsoft.com/office/drawing/2014/main" val="3403038399"/>
+                  </a:ext>
+                </a:extLst>
+              </a:tr>
+              <a:tr h="413323">
+                <a:tc>
+                  <a:txBody>
+                    <a:bodyPr/>
+                    <a:lstStyle/>
+                    <a:p>
+                      <a:r>
+                        <a:rPr lang="es-CL" sz="1000" dirty="0"/>
+                        <a:t>zona</a:t>
+                      </a:r>
+                    </a:p>
+                  </a:txBody>
+                  <a:tcPr/>
+                </a:tc>
+                <a:tc>
+                  <a:txBody>
+                    <a:bodyPr/>
+                    <a:lstStyle/>
+                    <a:p>
+                      <a:r>
+                        <a:rPr lang="es-CL" sz="1000" dirty="0"/>
+                        <a:t>VARCHAR</a:t>
+                      </a:r>
+                    </a:p>
+                  </a:txBody>
+                  <a:tcPr/>
+                </a:tc>
+                <a:tc>
+                  <a:txBody>
+                    <a:bodyPr/>
+                    <a:lstStyle/>
+                    <a:p>
+                      <a:pPr marL="0" marR="0" lvl="0" indent="0" algn="l" defTabSz="914400" rtl="0" eaLnBrk="1" fontAlgn="auto" latinLnBrk="0" hangingPunct="1">
+                        <a:lnSpc>
+                          <a:spcPct val="100000"/>
+                        </a:lnSpc>
+                        <a:spcBef>
+                          <a:spcPts val="0"/>
+                        </a:spcBef>
+                        <a:spcAft>
+                          <a:spcPts val="0"/>
+                        </a:spcAft>
+                        <a:buClr>
+                          <a:srgbClr val="000000"/>
+                        </a:buClr>
+                        <a:buSzTx/>
+                        <a:buFont typeface="Arial"/>
+                        <a:buNone/>
+                        <a:tabLst/>
+                        <a:defRPr/>
+                      </a:pPr>
+                      <a:r>
+                        <a:rPr lang="es-CL" sz="1000" dirty="0"/>
+                        <a:t>Zona geográfica asignada</a:t>
+                      </a:r>
+                    </a:p>
+                  </a:txBody>
+                  <a:tcPr/>
+                </a:tc>
+                <a:extLst>
+                  <a:ext uri="{0D108BD9-81ED-4DB2-BD59-A6C34878D82A}">
+                    <a16:rowId xmlns:a16="http://schemas.microsoft.com/office/drawing/2014/main" val="3977073963"/>
+                  </a:ext>
+                </a:extLst>
+              </a:tr>
+            </a:tbl>
+          </a:graphicData>
+        </a:graphic>
+      </p:graphicFrame>
+      <p:sp>
+        <p:nvSpPr>
+          <p:cNvPr id="3" name="CuadroTexto 2">
+            <a:extLst>
+              <a:ext uri="{FF2B5EF4-FFF2-40B4-BE49-F238E27FC236}">
+                <a16:creationId xmlns:a16="http://schemas.microsoft.com/office/drawing/2014/main" id="{237E65F2-9AD4-DBEC-587A-014F102FDC2E}"/>
+              </a:ext>
+            </a:extLst>
+          </p:cNvPr>
+          <p:cNvSpPr txBox="1"/>
+          <p:nvPr/>
+        </p:nvSpPr>
+        <p:spPr>
+          <a:xfrm>
+            <a:off x="6449685" y="3466209"/>
+            <a:ext cx="3148236" cy="307777"/>
+          </a:xfrm>
+          <a:prstGeom prst="rect">
+            <a:avLst/>
+          </a:prstGeom>
+          <a:noFill/>
+        </p:spPr>
+        <p:txBody>
+          <a:bodyPr wrap="square" rtlCol="0">
+            <a:spAutoFit/>
+          </a:bodyPr>
+          <a:lstStyle/>
+          <a:p>
+            <a:r>
+              <a:rPr lang="es-MX" dirty="0"/>
+              <a:t>Tabla: Visitas</a:t>
+            </a:r>
+            <a:endParaRPr lang="es-CL" dirty="0"/>
+          </a:p>
+        </p:txBody>
+      </p:sp>
+      <p:graphicFrame>
+        <p:nvGraphicFramePr>
+          <p:cNvPr id="4" name="Tabla 3">
+            <a:extLst>
+              <a:ext uri="{FF2B5EF4-FFF2-40B4-BE49-F238E27FC236}">
+                <a16:creationId xmlns:a16="http://schemas.microsoft.com/office/drawing/2014/main" id="{CD2D01F3-493B-74C5-0B6F-DB7F545C5699}"/>
+              </a:ext>
+            </a:extLst>
+          </p:cNvPr>
+          <p:cNvGraphicFramePr>
+            <a:graphicFrameLocks noGrp="1"/>
+          </p:cNvGraphicFramePr>
+          <p:nvPr>
+            <p:extLst>
+              <p:ext uri="{D42A27DB-BD31-4B8C-83A1-F6EECF244321}">
+                <p14:modId xmlns:p14="http://schemas.microsoft.com/office/powerpoint/2010/main" val="3684552119"/>
+              </p:ext>
+            </p:extLst>
+          </p:nvPr>
+        </p:nvGraphicFramePr>
+        <p:xfrm>
+          <a:off x="367492" y="1825626"/>
+          <a:ext cx="5728506" cy="2072187"/>
+        </p:xfrm>
+        <a:graphic>
+          <a:graphicData uri="http://schemas.openxmlformats.org/drawingml/2006/table">
+            <a:tbl>
+              <a:tblPr firstRow="1" bandRow="1">
+                <a:tableStyleId>{5C22544A-7EE6-4342-B048-85BDC9FD1C3A}</a:tableStyleId>
+              </a:tblPr>
+              <a:tblGrid>
+                <a:gridCol w="1909502">
+                  <a:extLst>
+                    <a:ext uri="{9D8B030D-6E8A-4147-A177-3AD203B41FA5}">
+                      <a16:colId xmlns:a16="http://schemas.microsoft.com/office/drawing/2014/main" val="1931640990"/>
+                    </a:ext>
+                  </a:extLst>
+                </a:gridCol>
+                <a:gridCol w="1909502">
+                  <a:extLst>
+                    <a:ext uri="{9D8B030D-6E8A-4147-A177-3AD203B41FA5}">
+                      <a16:colId xmlns:a16="http://schemas.microsoft.com/office/drawing/2014/main" val="3373754298"/>
+                    </a:ext>
+                  </a:extLst>
+                </a:gridCol>
+                <a:gridCol w="1909502">
+                  <a:extLst>
+                    <a:ext uri="{9D8B030D-6E8A-4147-A177-3AD203B41FA5}">
+                      <a16:colId xmlns:a16="http://schemas.microsoft.com/office/drawing/2014/main" val="2696306365"/>
+                    </a:ext>
+                  </a:extLst>
+                </a:gridCol>
+              </a:tblGrid>
+              <a:tr h="230922">
+                <a:tc>
+                  <a:txBody>
+                    <a:bodyPr/>
+                    <a:lstStyle/>
+                    <a:p>
+                      <a:r>
+                        <a:rPr lang="es-CL" sz="1000" dirty="0"/>
+                        <a:t>Campo</a:t>
+                      </a:r>
+                    </a:p>
+                  </a:txBody>
+                  <a:tcPr/>
+                </a:tc>
+                <a:tc>
+                  <a:txBody>
+                    <a:bodyPr/>
+                    <a:lstStyle/>
+                    <a:p>
+                      <a:r>
+                        <a:rPr lang="es-CL" sz="1000" dirty="0"/>
+                        <a:t>Tipo</a:t>
+                      </a:r>
+                    </a:p>
+                  </a:txBody>
+                  <a:tcPr/>
+                </a:tc>
+                <a:tc>
+                  <a:txBody>
+                    <a:bodyPr/>
+                    <a:lstStyle/>
+                    <a:p>
+                      <a:r>
+                        <a:rPr lang="es-CL" sz="1000" dirty="0"/>
+                        <a:t>Descripción</a:t>
+                      </a:r>
+                    </a:p>
+                  </a:txBody>
+                  <a:tcPr/>
+                </a:tc>
+                <a:extLst>
+                  <a:ext uri="{0D108BD9-81ED-4DB2-BD59-A6C34878D82A}">
+                    <a16:rowId xmlns:a16="http://schemas.microsoft.com/office/drawing/2014/main" val="817220824"/>
+                  </a:ext>
+                </a:extLst>
+              </a:tr>
+              <a:tr h="374844">
+                <a:tc>
+                  <a:txBody>
+                    <a:bodyPr/>
+                    <a:lstStyle/>
+                    <a:p>
+                      <a:r>
+                        <a:rPr lang="es-CL" sz="1000" dirty="0"/>
+                        <a:t>id (PK)</a:t>
+                      </a:r>
+                    </a:p>
+                  </a:txBody>
+                  <a:tcPr/>
+                </a:tc>
+                <a:tc>
+                  <a:txBody>
+                    <a:bodyPr/>
+                    <a:lstStyle/>
+                    <a:p>
+                      <a:r>
+                        <a:rPr lang="es-CL" sz="1000" dirty="0"/>
+                        <a:t>INT</a:t>
+                      </a:r>
+                    </a:p>
+                  </a:txBody>
+                  <a:tcPr/>
+                </a:tc>
+                <a:tc>
+                  <a:txBody>
+                    <a:bodyPr/>
+                    <a:lstStyle/>
+                    <a:p>
+                      <a:pPr marL="0" marR="0" lvl="0" indent="0" algn="l" defTabSz="914400" rtl="0" eaLnBrk="1" fontAlgn="auto" latinLnBrk="0" hangingPunct="1">
+                        <a:lnSpc>
+                          <a:spcPct val="100000"/>
+                        </a:lnSpc>
+                        <a:spcBef>
+                          <a:spcPts val="0"/>
+                        </a:spcBef>
+                        <a:spcAft>
+                          <a:spcPts val="0"/>
+                        </a:spcAft>
+                        <a:buClr>
+                          <a:srgbClr val="000000"/>
+                        </a:buClr>
+                        <a:buSzTx/>
+                        <a:buFont typeface="Arial"/>
+                        <a:buNone/>
+                        <a:tabLst/>
+                        <a:defRPr/>
+                      </a:pPr>
+                      <a:r>
+                        <a:rPr lang="es-CL" sz="1000" dirty="0"/>
+                        <a:t>Identificador único del usuario</a:t>
+                      </a:r>
+                    </a:p>
+                  </a:txBody>
+                  <a:tcPr/>
+                </a:tc>
+                <a:extLst>
+                  <a:ext uri="{0D108BD9-81ED-4DB2-BD59-A6C34878D82A}">
+                    <a16:rowId xmlns:a16="http://schemas.microsoft.com/office/drawing/2014/main" val="3678587067"/>
+                  </a:ext>
+                </a:extLst>
+              </a:tr>
+              <a:tr h="230922">
+                <a:tc>
+                  <a:txBody>
+                    <a:bodyPr/>
+                    <a:lstStyle/>
+                    <a:p>
+                      <a:r>
+                        <a:rPr lang="es-CL" sz="1000" dirty="0"/>
+                        <a:t>nombre</a:t>
+                      </a:r>
+                    </a:p>
+                  </a:txBody>
+                  <a:tcPr/>
+                </a:tc>
+                <a:tc>
+                  <a:txBody>
+                    <a:bodyPr/>
+                    <a:lstStyle/>
+                    <a:p>
+                      <a:r>
+                        <a:rPr lang="es-CL" sz="1000" dirty="0"/>
+                        <a:t>VARCHAR</a:t>
+                      </a:r>
+                    </a:p>
+                  </a:txBody>
+                  <a:tcPr/>
+                </a:tc>
+                <a:tc>
+                  <a:txBody>
+                    <a:bodyPr/>
+                    <a:lstStyle/>
+                    <a:p>
+                      <a:r>
+                        <a:rPr lang="es-CL" sz="1000" dirty="0"/>
+                        <a:t>Nombre completo</a:t>
+                      </a:r>
+                    </a:p>
+                  </a:txBody>
+                  <a:tcPr/>
+                </a:tc>
+                <a:extLst>
+                  <a:ext uri="{0D108BD9-81ED-4DB2-BD59-A6C34878D82A}">
+                    <a16:rowId xmlns:a16="http://schemas.microsoft.com/office/drawing/2014/main" val="2683108995"/>
+                  </a:ext>
+                </a:extLst>
+              </a:tr>
+              <a:tr h="347139">
+                <a:tc>
+                  <a:txBody>
+                    <a:bodyPr/>
+                    <a:lstStyle/>
+                    <a:p>
+                      <a:r>
+                        <a:rPr lang="es-CL" sz="1000" dirty="0"/>
+                        <a:t>email</a:t>
+                      </a:r>
+                    </a:p>
+                  </a:txBody>
+                  <a:tcPr/>
+                </a:tc>
+                <a:tc>
+                  <a:txBody>
+                    <a:bodyPr/>
+                    <a:lstStyle/>
+                    <a:p>
+                      <a:r>
+                        <a:rPr lang="es-CL" sz="1000" dirty="0"/>
+                        <a:t>VARCHAR</a:t>
+                      </a:r>
+                    </a:p>
+                  </a:txBody>
+                  <a:tcPr/>
+                </a:tc>
+                <a:tc>
+                  <a:txBody>
+                    <a:bodyPr/>
+                    <a:lstStyle/>
+                    <a:p>
+                      <a:r>
+                        <a:rPr lang="es-CL" sz="1000" dirty="0"/>
+                        <a:t>Correo electrónico (único)</a:t>
+                      </a:r>
+                    </a:p>
+                  </a:txBody>
+                  <a:tcPr/>
+                </a:tc>
+                <a:extLst>
+                  <a:ext uri="{0D108BD9-81ED-4DB2-BD59-A6C34878D82A}">
+                    <a16:rowId xmlns:a16="http://schemas.microsoft.com/office/drawing/2014/main" val="1072746912"/>
+                  </a:ext>
+                </a:extLst>
+              </a:tr>
+              <a:tr h="230922">
+                <a:tc>
+                  <a:txBody>
+                    <a:bodyPr/>
+                    <a:lstStyle/>
+                    <a:p>
+                      <a:r>
+                        <a:rPr lang="es-CL" sz="1000" dirty="0" err="1"/>
+                        <a:t>contraseña_hash</a:t>
+                      </a:r>
+                      <a:endParaRPr lang="es-CL" sz="1000" dirty="0"/>
+                    </a:p>
+                  </a:txBody>
+                  <a:tcPr/>
+                </a:tc>
+                <a:tc>
+                  <a:txBody>
+                    <a:bodyPr/>
+                    <a:lstStyle/>
+                    <a:p>
+                      <a:r>
+                        <a:rPr lang="es-CL" sz="1000" dirty="0"/>
+                        <a:t>VARCHAR</a:t>
+                      </a:r>
+                    </a:p>
+                  </a:txBody>
+                  <a:tcPr/>
+                </a:tc>
+                <a:tc>
+                  <a:txBody>
+                    <a:bodyPr/>
+                    <a:lstStyle/>
+                    <a:p>
+                      <a:r>
+                        <a:rPr lang="es-CL" sz="1000" dirty="0"/>
+                        <a:t>Contraseña encriptada</a:t>
+                      </a:r>
+                    </a:p>
+                  </a:txBody>
+                  <a:tcPr/>
+                </a:tc>
+                <a:extLst>
+                  <a:ext uri="{0D108BD9-81ED-4DB2-BD59-A6C34878D82A}">
+                    <a16:rowId xmlns:a16="http://schemas.microsoft.com/office/drawing/2014/main" val="1087275810"/>
+                  </a:ext>
+                </a:extLst>
+              </a:tr>
+              <a:tr h="230922">
+                <a:tc>
+                  <a:txBody>
+                    <a:bodyPr/>
+                    <a:lstStyle/>
+                    <a:p>
+                      <a:r>
+                        <a:rPr lang="es-CL" sz="1000" dirty="0"/>
+                        <a:t>rol</a:t>
+                      </a:r>
+                    </a:p>
+                  </a:txBody>
+                  <a:tcPr/>
+                </a:tc>
+                <a:tc>
+                  <a:txBody>
+                    <a:bodyPr/>
+                    <a:lstStyle/>
+                    <a:p>
+                      <a:r>
+                        <a:rPr lang="es-CL" sz="1000" dirty="0"/>
+                        <a:t>ENUM</a:t>
+                      </a:r>
+                    </a:p>
+                  </a:txBody>
+                  <a:tcPr/>
+                </a:tc>
+                <a:tc>
+                  <a:txBody>
+                    <a:bodyPr/>
+                    <a:lstStyle/>
+                    <a:p>
+                      <a:r>
+                        <a:rPr lang="es-CL" sz="1000" dirty="0"/>
+                        <a:t>técnico / auditor / </a:t>
+                      </a:r>
+                      <a:r>
+                        <a:rPr lang="es-CL" sz="1000" dirty="0" err="1"/>
+                        <a:t>admin</a:t>
+                      </a:r>
+                      <a:endParaRPr lang="es-CL" sz="1000" dirty="0"/>
+                    </a:p>
+                  </a:txBody>
+                  <a:tcPr/>
+                </a:tc>
+                <a:extLst>
+                  <a:ext uri="{0D108BD9-81ED-4DB2-BD59-A6C34878D82A}">
+                    <a16:rowId xmlns:a16="http://schemas.microsoft.com/office/drawing/2014/main" val="2963186419"/>
+                  </a:ext>
+                </a:extLst>
+              </a:tr>
+              <a:tr h="374844">
+                <a:tc>
+                  <a:txBody>
+                    <a:bodyPr/>
+                    <a:lstStyle/>
+                    <a:p>
+                      <a:r>
+                        <a:rPr lang="es-MX" sz="1000" dirty="0" err="1"/>
+                        <a:t>fecha_creación</a:t>
+                      </a:r>
+                      <a:endParaRPr lang="es-CL" sz="1000" dirty="0"/>
+                    </a:p>
+                  </a:txBody>
+                  <a:tcPr/>
+                </a:tc>
+                <a:tc>
+                  <a:txBody>
+                    <a:bodyPr/>
+                    <a:lstStyle/>
+                    <a:p>
+                      <a:r>
+                        <a:rPr lang="es-CL" sz="1000" dirty="0"/>
+                        <a:t>TIMESTAMP</a:t>
+                      </a:r>
+                    </a:p>
+                  </a:txBody>
+                  <a:tcPr/>
+                </a:tc>
+                <a:tc>
+                  <a:txBody>
+                    <a:bodyPr/>
+                    <a:lstStyle/>
+                    <a:p>
+                      <a:r>
+                        <a:rPr lang="es-MX" sz="1000" dirty="0"/>
+                        <a:t>Fecha de creación del registro</a:t>
+                      </a:r>
+                      <a:endParaRPr lang="es-CL" sz="1000" dirty="0"/>
+                    </a:p>
+                  </a:txBody>
+                  <a:tcPr/>
+                </a:tc>
+                <a:extLst>
+                  <a:ext uri="{0D108BD9-81ED-4DB2-BD59-A6C34878D82A}">
+                    <a16:rowId xmlns:a16="http://schemas.microsoft.com/office/drawing/2014/main" val="3107487715"/>
+                  </a:ext>
+                </a:extLst>
+              </a:tr>
+            </a:tbl>
+          </a:graphicData>
+        </a:graphic>
+      </p:graphicFrame>
+      <p:sp>
+        <p:nvSpPr>
+          <p:cNvPr id="5" name="CuadroTexto 4">
+            <a:extLst>
+              <a:ext uri="{FF2B5EF4-FFF2-40B4-BE49-F238E27FC236}">
+                <a16:creationId xmlns:a16="http://schemas.microsoft.com/office/drawing/2014/main" id="{AEC1C978-18D8-D068-87EE-FC74A403FBAE}"/>
+              </a:ext>
+            </a:extLst>
+          </p:cNvPr>
+          <p:cNvSpPr txBox="1"/>
+          <p:nvPr/>
+        </p:nvSpPr>
+        <p:spPr>
+          <a:xfrm>
+            <a:off x="367493" y="1576500"/>
+            <a:ext cx="3148236" cy="307777"/>
+          </a:xfrm>
+          <a:prstGeom prst="rect">
+            <a:avLst/>
+          </a:prstGeom>
+          <a:noFill/>
+        </p:spPr>
+        <p:txBody>
+          <a:bodyPr wrap="square" rtlCol="0">
+            <a:spAutoFit/>
+          </a:bodyPr>
+          <a:lstStyle/>
+          <a:p>
+            <a:r>
+              <a:rPr lang="es-MX" dirty="0"/>
+              <a:t>Tabla: Usuarios</a:t>
+            </a:r>
+            <a:endParaRPr lang="es-CL" dirty="0"/>
+          </a:p>
+        </p:txBody>
+      </p:sp>
+      <p:graphicFrame>
+        <p:nvGraphicFramePr>
+          <p:cNvPr id="6" name="Tabla 5">
+            <a:extLst>
+              <a:ext uri="{FF2B5EF4-FFF2-40B4-BE49-F238E27FC236}">
+                <a16:creationId xmlns:a16="http://schemas.microsoft.com/office/drawing/2014/main" id="{682E12F9-93B0-372E-3C02-D6B314573CE8}"/>
+              </a:ext>
+            </a:extLst>
+          </p:cNvPr>
+          <p:cNvGraphicFramePr>
+            <a:graphicFrameLocks noGrp="1"/>
+          </p:cNvGraphicFramePr>
+          <p:nvPr>
+            <p:extLst>
+              <p:ext uri="{D42A27DB-BD31-4B8C-83A1-F6EECF244321}">
+                <p14:modId xmlns:p14="http://schemas.microsoft.com/office/powerpoint/2010/main" val="413864888"/>
+              </p:ext>
+            </p:extLst>
+          </p:nvPr>
+        </p:nvGraphicFramePr>
+        <p:xfrm>
+          <a:off x="6449685" y="3715897"/>
+          <a:ext cx="4904115" cy="3016640"/>
+        </p:xfrm>
+        <a:graphic>
+          <a:graphicData uri="http://schemas.openxmlformats.org/drawingml/2006/table">
+            <a:tbl>
+              <a:tblPr firstRow="1" bandRow="1">
+                <a:tableStyleId>{5C22544A-7EE6-4342-B048-85BDC9FD1C3A}</a:tableStyleId>
+              </a:tblPr>
+              <a:tblGrid>
+                <a:gridCol w="1634705">
+                  <a:extLst>
+                    <a:ext uri="{9D8B030D-6E8A-4147-A177-3AD203B41FA5}">
+                      <a16:colId xmlns:a16="http://schemas.microsoft.com/office/drawing/2014/main" val="1427480016"/>
+                    </a:ext>
+                  </a:extLst>
+                </a:gridCol>
+                <a:gridCol w="1634705">
+                  <a:extLst>
+                    <a:ext uri="{9D8B030D-6E8A-4147-A177-3AD203B41FA5}">
+                      <a16:colId xmlns:a16="http://schemas.microsoft.com/office/drawing/2014/main" val="2083812283"/>
+                    </a:ext>
+                  </a:extLst>
+                </a:gridCol>
+                <a:gridCol w="1634705">
+                  <a:extLst>
+                    <a:ext uri="{9D8B030D-6E8A-4147-A177-3AD203B41FA5}">
+                      <a16:colId xmlns:a16="http://schemas.microsoft.com/office/drawing/2014/main" val="113331630"/>
+                    </a:ext>
+                  </a:extLst>
+                </a:gridCol>
+              </a:tblGrid>
+              <a:tr h="255856">
+                <a:tc>
+                  <a:txBody>
+                    <a:bodyPr/>
+                    <a:lstStyle/>
+                    <a:p>
+                      <a:r>
+                        <a:rPr lang="es-CL" sz="1000" dirty="0"/>
+                        <a:t>Campo</a:t>
+                      </a:r>
+                    </a:p>
+                  </a:txBody>
+                  <a:tcPr/>
+                </a:tc>
+                <a:tc>
+                  <a:txBody>
+                    <a:bodyPr/>
+                    <a:lstStyle/>
+                    <a:p>
+                      <a:r>
+                        <a:rPr lang="es-CL" sz="1000" dirty="0"/>
+                        <a:t>Tipo</a:t>
+                      </a:r>
+                    </a:p>
+                  </a:txBody>
+                  <a:tcPr/>
+                </a:tc>
+                <a:tc>
+                  <a:txBody>
+                    <a:bodyPr/>
+                    <a:lstStyle/>
+                    <a:p>
+                      <a:r>
+                        <a:rPr lang="es-CL" sz="1000" dirty="0"/>
+                        <a:t>Descripción</a:t>
+                      </a:r>
+                    </a:p>
+                  </a:txBody>
+                  <a:tcPr/>
+                </a:tc>
+                <a:extLst>
+                  <a:ext uri="{0D108BD9-81ED-4DB2-BD59-A6C34878D82A}">
+                    <a16:rowId xmlns:a16="http://schemas.microsoft.com/office/drawing/2014/main" val="1915086216"/>
+                  </a:ext>
+                </a:extLst>
+              </a:tr>
+              <a:tr h="255856">
+                <a:tc>
+                  <a:txBody>
+                    <a:bodyPr/>
+                    <a:lstStyle/>
+                    <a:p>
+                      <a:r>
+                        <a:rPr lang="es-CL" sz="1000" dirty="0"/>
+                        <a:t>id (PK)</a:t>
+                      </a:r>
+                    </a:p>
+                  </a:txBody>
+                  <a:tcPr/>
+                </a:tc>
+                <a:tc>
+                  <a:txBody>
+                    <a:bodyPr/>
+                    <a:lstStyle/>
+                    <a:p>
+                      <a:r>
+                        <a:rPr lang="es-CL" sz="1000" dirty="0"/>
+                        <a:t>INT</a:t>
+                      </a:r>
+                    </a:p>
+                  </a:txBody>
+                  <a:tcPr/>
+                </a:tc>
+                <a:tc>
+                  <a:txBody>
+                    <a:bodyPr/>
+                    <a:lstStyle/>
+                    <a:p>
+                      <a:pPr marL="0" marR="0" lvl="0" indent="0" algn="l" defTabSz="914400" rtl="0" eaLnBrk="1" fontAlgn="auto" latinLnBrk="0" hangingPunct="1">
+                        <a:lnSpc>
+                          <a:spcPct val="100000"/>
+                        </a:lnSpc>
+                        <a:spcBef>
+                          <a:spcPts val="0"/>
+                        </a:spcBef>
+                        <a:spcAft>
+                          <a:spcPts val="0"/>
+                        </a:spcAft>
+                        <a:buClr>
+                          <a:srgbClr val="000000"/>
+                        </a:buClr>
+                        <a:buSzTx/>
+                        <a:buFont typeface="Arial"/>
+                        <a:buNone/>
+                        <a:tabLst/>
+                        <a:defRPr/>
+                      </a:pPr>
+                      <a:r>
+                        <a:rPr lang="es-MX" sz="1000" dirty="0"/>
+                        <a:t>Identificador único de la visita</a:t>
+                      </a:r>
+                    </a:p>
+                  </a:txBody>
+                  <a:tcPr/>
+                </a:tc>
+                <a:extLst>
+                  <a:ext uri="{0D108BD9-81ED-4DB2-BD59-A6C34878D82A}">
+                    <a16:rowId xmlns:a16="http://schemas.microsoft.com/office/drawing/2014/main" val="2554676178"/>
+                  </a:ext>
+                </a:extLst>
+              </a:tr>
+              <a:tr h="255856">
+                <a:tc>
+                  <a:txBody>
+                    <a:bodyPr/>
+                    <a:lstStyle/>
+                    <a:p>
+                      <a:r>
+                        <a:rPr lang="es-CL" sz="1000" dirty="0" err="1"/>
+                        <a:t>tecnico_id</a:t>
+                      </a:r>
+                      <a:r>
+                        <a:rPr lang="es-CL" sz="1000" dirty="0"/>
+                        <a:t> (FK)</a:t>
+                      </a:r>
+                    </a:p>
+                  </a:txBody>
+                  <a:tcPr/>
+                </a:tc>
+                <a:tc>
+                  <a:txBody>
+                    <a:bodyPr/>
+                    <a:lstStyle/>
+                    <a:p>
+                      <a:r>
+                        <a:rPr lang="es-CL" sz="1000" dirty="0"/>
+                        <a:t>INT</a:t>
+                      </a:r>
+                    </a:p>
+                  </a:txBody>
+                  <a:tcPr/>
+                </a:tc>
+                <a:tc>
+                  <a:txBody>
+                    <a:bodyPr/>
+                    <a:lstStyle/>
+                    <a:p>
+                      <a:r>
+                        <a:rPr lang="es-CL" sz="1000" dirty="0"/>
+                        <a:t>Técnico asignado</a:t>
+                      </a:r>
+                    </a:p>
+                  </a:txBody>
+                  <a:tcPr/>
+                </a:tc>
+                <a:extLst>
+                  <a:ext uri="{0D108BD9-81ED-4DB2-BD59-A6C34878D82A}">
+                    <a16:rowId xmlns:a16="http://schemas.microsoft.com/office/drawing/2014/main" val="2696792451"/>
+                  </a:ext>
+                </a:extLst>
+              </a:tr>
+              <a:tr h="255856">
+                <a:tc>
+                  <a:txBody>
+                    <a:bodyPr/>
+                    <a:lstStyle/>
+                    <a:p>
+                      <a:r>
+                        <a:rPr lang="es-CL" sz="1000" dirty="0" err="1"/>
+                        <a:t>cliente_nombre</a:t>
+                      </a:r>
+                      <a:endParaRPr lang="es-CL" sz="1000" dirty="0"/>
+                    </a:p>
+                  </a:txBody>
+                  <a:tcPr/>
+                </a:tc>
+                <a:tc>
+                  <a:txBody>
+                    <a:bodyPr/>
+                    <a:lstStyle/>
+                    <a:p>
+                      <a:r>
+                        <a:rPr lang="es-CL" sz="1000" dirty="0"/>
+                        <a:t>VARCHAR</a:t>
+                      </a:r>
+                    </a:p>
+                  </a:txBody>
+                  <a:tcPr/>
+                </a:tc>
+                <a:tc>
+                  <a:txBody>
+                    <a:bodyPr/>
+                    <a:lstStyle/>
+                    <a:p>
+                      <a:r>
+                        <a:rPr lang="es-CL" sz="1000" dirty="0"/>
+                        <a:t>Nombre del cliente</a:t>
+                      </a:r>
+                    </a:p>
+                  </a:txBody>
+                  <a:tcPr/>
+                </a:tc>
+                <a:extLst>
+                  <a:ext uri="{0D108BD9-81ED-4DB2-BD59-A6C34878D82A}">
+                    <a16:rowId xmlns:a16="http://schemas.microsoft.com/office/drawing/2014/main" val="2569747532"/>
+                  </a:ext>
+                </a:extLst>
+              </a:tr>
+              <a:tr h="255856">
+                <a:tc>
+                  <a:txBody>
+                    <a:bodyPr/>
+                    <a:lstStyle/>
+                    <a:p>
+                      <a:r>
+                        <a:rPr lang="es-CL" sz="1000" dirty="0" err="1"/>
+                        <a:t>cliente_direccion</a:t>
+                      </a:r>
+                      <a:endParaRPr lang="es-CL" sz="1000" dirty="0"/>
+                    </a:p>
+                  </a:txBody>
+                  <a:tcPr/>
+                </a:tc>
+                <a:tc>
+                  <a:txBody>
+                    <a:bodyPr/>
+                    <a:lstStyle/>
+                    <a:p>
+                      <a:r>
+                        <a:rPr lang="es-CL" sz="1000" dirty="0"/>
+                        <a:t>VARCHAR</a:t>
+                      </a:r>
+                    </a:p>
+                  </a:txBody>
+                  <a:tcPr/>
+                </a:tc>
+                <a:tc>
+                  <a:txBody>
+                    <a:bodyPr/>
+                    <a:lstStyle/>
+                    <a:p>
+                      <a:r>
+                        <a:rPr lang="es-CL" sz="1000" dirty="0"/>
+                        <a:t>Dirección del cliente</a:t>
+                      </a:r>
+                    </a:p>
+                  </a:txBody>
+                  <a:tcPr/>
+                </a:tc>
+                <a:extLst>
+                  <a:ext uri="{0D108BD9-81ED-4DB2-BD59-A6C34878D82A}">
+                    <a16:rowId xmlns:a16="http://schemas.microsoft.com/office/drawing/2014/main" val="1589243723"/>
+                  </a:ext>
+                </a:extLst>
+              </a:tr>
+              <a:tr h="255856">
+                <a:tc>
+                  <a:txBody>
+                    <a:bodyPr/>
+                    <a:lstStyle/>
+                    <a:p>
+                      <a:r>
+                        <a:rPr lang="es-CL" sz="1000" dirty="0" err="1"/>
+                        <a:t>cliente_teléfono</a:t>
+                      </a:r>
+                      <a:endParaRPr lang="es-CL" sz="1000" dirty="0"/>
+                    </a:p>
+                  </a:txBody>
+                  <a:tcPr/>
+                </a:tc>
+                <a:tc>
+                  <a:txBody>
+                    <a:bodyPr/>
+                    <a:lstStyle/>
+                    <a:p>
+                      <a:r>
+                        <a:rPr lang="es-CL" sz="1000" dirty="0"/>
+                        <a:t>VARCHAR</a:t>
+                      </a:r>
+                    </a:p>
+                  </a:txBody>
+                  <a:tcPr/>
+                </a:tc>
+                <a:tc>
+                  <a:txBody>
+                    <a:bodyPr/>
+                    <a:lstStyle/>
+                    <a:p>
+                      <a:r>
+                        <a:rPr lang="es-CL" sz="1000" dirty="0"/>
+                        <a:t>Teléfono de contacto</a:t>
+                      </a:r>
+                    </a:p>
+                  </a:txBody>
+                  <a:tcPr/>
+                </a:tc>
+                <a:extLst>
+                  <a:ext uri="{0D108BD9-81ED-4DB2-BD59-A6C34878D82A}">
+                    <a16:rowId xmlns:a16="http://schemas.microsoft.com/office/drawing/2014/main" val="2910868084"/>
+                  </a:ext>
+                </a:extLst>
+              </a:tr>
+              <a:tr h="255856">
+                <a:tc>
+                  <a:txBody>
+                    <a:bodyPr/>
+                    <a:lstStyle/>
+                    <a:p>
+                      <a:r>
+                        <a:rPr lang="es-CL" sz="1000" dirty="0" err="1"/>
+                        <a:t>fecha_programada</a:t>
+                      </a:r>
+                      <a:endParaRPr lang="es-CL" sz="1000" dirty="0"/>
+                    </a:p>
+                  </a:txBody>
+                  <a:tcPr/>
+                </a:tc>
+                <a:tc>
+                  <a:txBody>
+                    <a:bodyPr/>
+                    <a:lstStyle/>
+                    <a:p>
+                      <a:r>
+                        <a:rPr lang="es-CL" sz="1000" dirty="0"/>
+                        <a:t>DATETIME</a:t>
+                      </a:r>
+                    </a:p>
+                  </a:txBody>
+                  <a:tcPr/>
+                </a:tc>
+                <a:tc>
+                  <a:txBody>
+                    <a:bodyPr/>
+                    <a:lstStyle/>
+                    <a:p>
+                      <a:r>
+                        <a:rPr lang="es-CL" sz="1000" dirty="0"/>
+                        <a:t>Fecha y hora programada</a:t>
+                      </a:r>
+                    </a:p>
+                  </a:txBody>
+                  <a:tcPr/>
+                </a:tc>
+                <a:extLst>
+                  <a:ext uri="{0D108BD9-81ED-4DB2-BD59-A6C34878D82A}">
+                    <a16:rowId xmlns:a16="http://schemas.microsoft.com/office/drawing/2014/main" val="2789595234"/>
+                  </a:ext>
+                </a:extLst>
+              </a:tr>
+              <a:tr h="255856">
+                <a:tc>
+                  <a:txBody>
+                    <a:bodyPr/>
+                    <a:lstStyle/>
+                    <a:p>
+                      <a:r>
+                        <a:rPr lang="es-CL" sz="1000" dirty="0"/>
+                        <a:t>estado</a:t>
+                      </a:r>
+                    </a:p>
+                  </a:txBody>
+                  <a:tcPr/>
+                </a:tc>
+                <a:tc>
+                  <a:txBody>
+                    <a:bodyPr/>
+                    <a:lstStyle/>
+                    <a:p>
+                      <a:r>
+                        <a:rPr lang="es-CL" sz="1000" dirty="0"/>
+                        <a:t>ENUM</a:t>
+                      </a:r>
+                    </a:p>
+                  </a:txBody>
+                  <a:tcPr/>
+                </a:tc>
+                <a:tc>
+                  <a:txBody>
+                    <a:bodyPr/>
+                    <a:lstStyle/>
+                    <a:p>
+                      <a:r>
+                        <a:rPr lang="es-CL" sz="1000" dirty="0"/>
+                        <a:t>programada / en curso / completada / reagendada / cancelada</a:t>
+                      </a:r>
+                    </a:p>
+                  </a:txBody>
+                  <a:tcPr/>
+                </a:tc>
+                <a:extLst>
+                  <a:ext uri="{0D108BD9-81ED-4DB2-BD59-A6C34878D82A}">
+                    <a16:rowId xmlns:a16="http://schemas.microsoft.com/office/drawing/2014/main" val="1000325638"/>
+                  </a:ext>
+                </a:extLst>
+              </a:tr>
+              <a:tr h="255856">
+                <a:tc>
+                  <a:txBody>
+                    <a:bodyPr/>
+                    <a:lstStyle/>
+                    <a:p>
+                      <a:r>
+                        <a:rPr lang="es-MX" sz="1000" dirty="0" err="1"/>
+                        <a:t>fecha_registro</a:t>
+                      </a:r>
+                      <a:endParaRPr lang="es-CL" sz="1000" dirty="0"/>
+                    </a:p>
+                  </a:txBody>
+                  <a:tcPr/>
+                </a:tc>
+                <a:tc>
+                  <a:txBody>
+                    <a:bodyPr/>
+                    <a:lstStyle/>
+                    <a:p>
+                      <a:r>
+                        <a:rPr lang="es-CL" sz="1000" dirty="0"/>
+                        <a:t>TIMESTAMP</a:t>
+                      </a:r>
+                    </a:p>
+                  </a:txBody>
+                  <a:tcPr/>
+                </a:tc>
+                <a:tc>
+                  <a:txBody>
+                    <a:bodyPr/>
+                    <a:lstStyle/>
+                    <a:p>
+                      <a:r>
+                        <a:rPr lang="es-MX" sz="1000" dirty="0"/>
+                        <a:t>Fecha de creación del registro</a:t>
+                      </a:r>
+                      <a:endParaRPr lang="es-CL" sz="1000" dirty="0"/>
+                    </a:p>
+                  </a:txBody>
+                  <a:tcPr/>
+                </a:tc>
+                <a:extLst>
+                  <a:ext uri="{0D108BD9-81ED-4DB2-BD59-A6C34878D82A}">
+                    <a16:rowId xmlns:a16="http://schemas.microsoft.com/office/drawing/2014/main" val="237966900"/>
+                  </a:ext>
+                </a:extLst>
+              </a:tr>
+            </a:tbl>
+          </a:graphicData>
+        </a:graphic>
+      </p:graphicFrame>
+      <p:sp>
+        <p:nvSpPr>
+          <p:cNvPr id="7" name="CuadroTexto 6">
+            <a:extLst>
+              <a:ext uri="{FF2B5EF4-FFF2-40B4-BE49-F238E27FC236}">
+                <a16:creationId xmlns:a16="http://schemas.microsoft.com/office/drawing/2014/main" id="{47A99A0B-CD38-6BCA-1DE8-669A2B910DF7}"/>
+              </a:ext>
+            </a:extLst>
+          </p:cNvPr>
+          <p:cNvSpPr txBox="1"/>
+          <p:nvPr/>
+        </p:nvSpPr>
+        <p:spPr>
+          <a:xfrm>
+            <a:off x="6449685" y="1744931"/>
+            <a:ext cx="3148236" cy="307777"/>
+          </a:xfrm>
+          <a:prstGeom prst="rect">
+            <a:avLst/>
+          </a:prstGeom>
+          <a:noFill/>
+        </p:spPr>
+        <p:txBody>
+          <a:bodyPr wrap="square" rtlCol="0">
+            <a:spAutoFit/>
+          </a:bodyPr>
+          <a:lstStyle/>
+          <a:p>
+            <a:r>
+              <a:rPr lang="es-MX" dirty="0"/>
+              <a:t>Tabla: Técnicos</a:t>
+            </a:r>
+            <a:endParaRPr lang="es-CL" dirty="0"/>
+          </a:p>
+        </p:txBody>
+      </p:sp>
+      <p:graphicFrame>
+        <p:nvGraphicFramePr>
+          <p:cNvPr id="8" name="Tabla 7">
+            <a:extLst>
+              <a:ext uri="{FF2B5EF4-FFF2-40B4-BE49-F238E27FC236}">
+                <a16:creationId xmlns:a16="http://schemas.microsoft.com/office/drawing/2014/main" id="{4CFE9AB4-0E46-A9EC-3669-F17B750634D4}"/>
+              </a:ext>
+            </a:extLst>
+          </p:cNvPr>
+          <p:cNvGraphicFramePr>
+            <a:graphicFrameLocks noGrp="1"/>
+          </p:cNvGraphicFramePr>
+          <p:nvPr>
+            <p:extLst>
+              <p:ext uri="{D42A27DB-BD31-4B8C-83A1-F6EECF244321}">
+                <p14:modId xmlns:p14="http://schemas.microsoft.com/office/powerpoint/2010/main" val="3726680632"/>
+              </p:ext>
+            </p:extLst>
+          </p:nvPr>
+        </p:nvGraphicFramePr>
+        <p:xfrm>
+          <a:off x="367493" y="4153919"/>
+          <a:ext cx="5728509" cy="2648850"/>
+        </p:xfrm>
+        <a:graphic>
+          <a:graphicData uri="http://schemas.openxmlformats.org/drawingml/2006/table">
+            <a:tbl>
+              <a:tblPr firstRow="1" bandRow="1">
+                <a:tableStyleId>{5C22544A-7EE6-4342-B048-85BDC9FD1C3A}</a:tableStyleId>
+              </a:tblPr>
+              <a:tblGrid>
+                <a:gridCol w="1909503">
+                  <a:extLst>
+                    <a:ext uri="{9D8B030D-6E8A-4147-A177-3AD203B41FA5}">
+                      <a16:colId xmlns:a16="http://schemas.microsoft.com/office/drawing/2014/main" val="1846529581"/>
+                    </a:ext>
+                  </a:extLst>
+                </a:gridCol>
+                <a:gridCol w="1909503">
+                  <a:extLst>
+                    <a:ext uri="{9D8B030D-6E8A-4147-A177-3AD203B41FA5}">
+                      <a16:colId xmlns:a16="http://schemas.microsoft.com/office/drawing/2014/main" val="3844478146"/>
+                    </a:ext>
+                  </a:extLst>
+                </a:gridCol>
+                <a:gridCol w="1909503">
+                  <a:extLst>
+                    <a:ext uri="{9D8B030D-6E8A-4147-A177-3AD203B41FA5}">
+                      <a16:colId xmlns:a16="http://schemas.microsoft.com/office/drawing/2014/main" val="1577598121"/>
+                    </a:ext>
+                  </a:extLst>
+                </a:gridCol>
+              </a:tblGrid>
+              <a:tr h="340856">
+                <a:tc>
+                  <a:txBody>
+                    <a:bodyPr/>
+                    <a:lstStyle/>
+                    <a:p>
+                      <a:r>
+                        <a:rPr lang="es-CL" sz="1000" dirty="0"/>
+                        <a:t>Campo</a:t>
+                      </a:r>
+                    </a:p>
+                  </a:txBody>
+                  <a:tcPr/>
+                </a:tc>
+                <a:tc>
+                  <a:txBody>
+                    <a:bodyPr/>
+                    <a:lstStyle/>
+                    <a:p>
+                      <a:r>
+                        <a:rPr lang="es-CL" sz="1000" dirty="0"/>
+                        <a:t>Tipo</a:t>
+                      </a:r>
+                    </a:p>
+                  </a:txBody>
+                  <a:tcPr/>
+                </a:tc>
+                <a:tc>
+                  <a:txBody>
+                    <a:bodyPr/>
+                    <a:lstStyle/>
+                    <a:p>
+                      <a:r>
+                        <a:rPr lang="es-CL" sz="1000" dirty="0"/>
+                        <a:t>Descripción</a:t>
+                      </a:r>
+                    </a:p>
+                  </a:txBody>
+                  <a:tcPr/>
+                </a:tc>
+                <a:extLst>
+                  <a:ext uri="{0D108BD9-81ED-4DB2-BD59-A6C34878D82A}">
+                    <a16:rowId xmlns:a16="http://schemas.microsoft.com/office/drawing/2014/main" val="2821105982"/>
+                  </a:ext>
+                </a:extLst>
+              </a:tr>
+              <a:tr h="396110">
+                <a:tc>
+                  <a:txBody>
+                    <a:bodyPr/>
+                    <a:lstStyle/>
+                    <a:p>
+                      <a:r>
+                        <a:rPr lang="es-CL" sz="1000" dirty="0"/>
+                        <a:t>id (PK)</a:t>
+                      </a:r>
+                    </a:p>
+                  </a:txBody>
+                  <a:tcPr/>
+                </a:tc>
+                <a:tc>
+                  <a:txBody>
+                    <a:bodyPr/>
+                    <a:lstStyle/>
+                    <a:p>
+                      <a:r>
+                        <a:rPr lang="es-CL" sz="1000" dirty="0"/>
+                        <a:t>INT</a:t>
+                      </a:r>
+                    </a:p>
+                  </a:txBody>
+                  <a:tcPr/>
+                </a:tc>
+                <a:tc>
+                  <a:txBody>
+                    <a:bodyPr/>
+                    <a:lstStyle/>
+                    <a:p>
+                      <a:pPr marL="0" marR="0" lvl="0" indent="0" algn="l" defTabSz="914400" rtl="0" eaLnBrk="1" fontAlgn="auto" latinLnBrk="0" hangingPunct="1">
+                        <a:lnSpc>
+                          <a:spcPct val="100000"/>
+                        </a:lnSpc>
+                        <a:spcBef>
+                          <a:spcPts val="0"/>
+                        </a:spcBef>
+                        <a:spcAft>
+                          <a:spcPts val="0"/>
+                        </a:spcAft>
+                        <a:buClr>
+                          <a:srgbClr val="000000"/>
+                        </a:buClr>
+                        <a:buSzTx/>
+                        <a:buFont typeface="Arial"/>
+                        <a:buNone/>
+                        <a:tabLst/>
+                        <a:defRPr/>
+                      </a:pPr>
+                      <a:r>
+                        <a:rPr lang="es-CL" sz="1000" dirty="0"/>
+                        <a:t>Identificador único del historial</a:t>
+                      </a:r>
+                    </a:p>
+                  </a:txBody>
+                  <a:tcPr/>
+                </a:tc>
+                <a:extLst>
+                  <a:ext uri="{0D108BD9-81ED-4DB2-BD59-A6C34878D82A}">
+                    <a16:rowId xmlns:a16="http://schemas.microsoft.com/office/drawing/2014/main" val="256819257"/>
+                  </a:ext>
+                </a:extLst>
+              </a:tr>
+              <a:tr h="340856">
+                <a:tc>
+                  <a:txBody>
+                    <a:bodyPr/>
+                    <a:lstStyle/>
+                    <a:p>
+                      <a:r>
+                        <a:rPr lang="es-CL" sz="1000" dirty="0" err="1"/>
+                        <a:t>visita_id</a:t>
+                      </a:r>
+                      <a:r>
+                        <a:rPr lang="es-CL" sz="1000" dirty="0"/>
+                        <a:t> (FK)</a:t>
+                      </a:r>
+                    </a:p>
+                  </a:txBody>
+                  <a:tcPr/>
+                </a:tc>
+                <a:tc>
+                  <a:txBody>
+                    <a:bodyPr/>
+                    <a:lstStyle/>
+                    <a:p>
+                      <a:r>
+                        <a:rPr lang="es-CL" sz="1000" dirty="0"/>
+                        <a:t>INT</a:t>
+                      </a:r>
+                    </a:p>
+                  </a:txBody>
+                  <a:tcPr/>
+                </a:tc>
+                <a:tc>
+                  <a:txBody>
+                    <a:bodyPr/>
+                    <a:lstStyle/>
+                    <a:p>
+                      <a:r>
+                        <a:rPr lang="es-CL" sz="1000" dirty="0"/>
+                        <a:t>Referencia a la visita</a:t>
+                      </a:r>
+                    </a:p>
+                  </a:txBody>
+                  <a:tcPr/>
+                </a:tc>
+                <a:extLst>
+                  <a:ext uri="{0D108BD9-81ED-4DB2-BD59-A6C34878D82A}">
+                    <a16:rowId xmlns:a16="http://schemas.microsoft.com/office/drawing/2014/main" val="2863620191"/>
+                  </a:ext>
+                </a:extLst>
+              </a:tr>
+              <a:tr h="548460">
+                <a:tc>
+                  <a:txBody>
+                    <a:bodyPr/>
+                    <a:lstStyle/>
+                    <a:p>
+                      <a:r>
+                        <a:rPr lang="es-CL" sz="1000" dirty="0" err="1"/>
+                        <a:t>accion</a:t>
+                      </a:r>
+                      <a:endParaRPr lang="es-CL" sz="1000" dirty="0"/>
+                    </a:p>
+                  </a:txBody>
+                  <a:tcPr/>
+                </a:tc>
+                <a:tc>
+                  <a:txBody>
+                    <a:bodyPr/>
+                    <a:lstStyle/>
+                    <a:p>
+                      <a:r>
+                        <a:rPr lang="es-CL" sz="1000" dirty="0"/>
+                        <a:t>ENUM</a:t>
+                      </a:r>
+                    </a:p>
+                  </a:txBody>
+                  <a:tcPr/>
+                </a:tc>
+                <a:tc>
+                  <a:txBody>
+                    <a:bodyPr/>
+                    <a:lstStyle/>
+                    <a:p>
+                      <a:r>
+                        <a:rPr lang="pt-BR" sz="1000" dirty="0" err="1"/>
+                        <a:t>creada</a:t>
+                      </a:r>
+                      <a:r>
+                        <a:rPr lang="pt-BR" sz="1000" dirty="0"/>
+                        <a:t> / reagendada / completada / </a:t>
+                      </a:r>
+                      <a:r>
+                        <a:rPr lang="pt-BR" sz="1000" dirty="0" err="1"/>
+                        <a:t>nota_agregada</a:t>
+                      </a:r>
+                      <a:endParaRPr lang="es-CL" sz="1000" dirty="0"/>
+                    </a:p>
+                  </a:txBody>
+                  <a:tcPr/>
+                </a:tc>
+                <a:extLst>
+                  <a:ext uri="{0D108BD9-81ED-4DB2-BD59-A6C34878D82A}">
+                    <a16:rowId xmlns:a16="http://schemas.microsoft.com/office/drawing/2014/main" val="1033446125"/>
+                  </a:ext>
+                </a:extLst>
+              </a:tr>
+              <a:tr h="340856">
+                <a:tc>
+                  <a:txBody>
+                    <a:bodyPr/>
+                    <a:lstStyle/>
+                    <a:p>
+                      <a:r>
+                        <a:rPr lang="es-CL" sz="1000" dirty="0"/>
+                        <a:t>Detalles</a:t>
+                      </a:r>
+                    </a:p>
+                  </a:txBody>
+                  <a:tcPr/>
+                </a:tc>
+                <a:tc>
+                  <a:txBody>
+                    <a:bodyPr/>
+                    <a:lstStyle/>
+                    <a:p>
+                      <a:r>
+                        <a:rPr lang="es-CL" sz="1000" dirty="0"/>
+                        <a:t>TEXT</a:t>
+                      </a:r>
+                    </a:p>
+                  </a:txBody>
+                  <a:tcPr/>
+                </a:tc>
+                <a:tc>
+                  <a:txBody>
+                    <a:bodyPr/>
+                    <a:lstStyle/>
+                    <a:p>
+                      <a:r>
+                        <a:rPr lang="es-MX" sz="1000" dirty="0"/>
+                        <a:t>Motivo, nota o nueva fecha</a:t>
+                      </a:r>
+                      <a:endParaRPr lang="es-CL" sz="1000" dirty="0"/>
+                    </a:p>
+                  </a:txBody>
+                  <a:tcPr/>
+                </a:tc>
+                <a:extLst>
+                  <a:ext uri="{0D108BD9-81ED-4DB2-BD59-A6C34878D82A}">
+                    <a16:rowId xmlns:a16="http://schemas.microsoft.com/office/drawing/2014/main" val="2175464205"/>
+                  </a:ext>
+                </a:extLst>
+              </a:tr>
+              <a:tr h="340856">
+                <a:tc>
+                  <a:txBody>
+                    <a:bodyPr/>
+                    <a:lstStyle/>
+                    <a:p>
+                      <a:r>
+                        <a:rPr lang="es-CL" sz="1000" dirty="0" err="1"/>
+                        <a:t>fecha_hora</a:t>
+                      </a:r>
+                      <a:endParaRPr lang="es-CL" sz="1000" dirty="0"/>
+                    </a:p>
+                  </a:txBody>
+                  <a:tcPr/>
+                </a:tc>
+                <a:tc>
+                  <a:txBody>
+                    <a:bodyPr/>
+                    <a:lstStyle/>
+                    <a:p>
+                      <a:r>
+                        <a:rPr lang="es-CL" sz="1000" dirty="0"/>
+                        <a:t>DATETIME</a:t>
+                      </a:r>
+                    </a:p>
+                  </a:txBody>
+                  <a:tcPr/>
+                </a:tc>
+                <a:tc>
+                  <a:txBody>
+                    <a:bodyPr/>
+                    <a:lstStyle/>
+                    <a:p>
+                      <a:r>
+                        <a:rPr lang="es-MX" sz="1000" dirty="0"/>
+                        <a:t>Fecha y hora de la acción</a:t>
+                      </a:r>
+                      <a:endParaRPr lang="es-CL" sz="1000" dirty="0"/>
+                    </a:p>
+                  </a:txBody>
+                  <a:tcPr/>
+                </a:tc>
+                <a:extLst>
+                  <a:ext uri="{0D108BD9-81ED-4DB2-BD59-A6C34878D82A}">
+                    <a16:rowId xmlns:a16="http://schemas.microsoft.com/office/drawing/2014/main" val="2110093624"/>
+                  </a:ext>
+                </a:extLst>
+              </a:tr>
+              <a:tr h="340856">
+                <a:tc>
+                  <a:txBody>
+                    <a:bodyPr/>
+                    <a:lstStyle/>
+                    <a:p>
+                      <a:r>
+                        <a:rPr lang="es-CL" sz="1000" dirty="0" err="1"/>
+                        <a:t>usuario_id</a:t>
+                      </a:r>
+                      <a:r>
+                        <a:rPr lang="es-CL" sz="1000" dirty="0"/>
+                        <a:t> (FK)</a:t>
+                      </a:r>
+                    </a:p>
+                  </a:txBody>
+                  <a:tcPr/>
+                </a:tc>
+                <a:tc>
+                  <a:txBody>
+                    <a:bodyPr/>
+                    <a:lstStyle/>
+                    <a:p>
+                      <a:r>
+                        <a:rPr lang="es-CL" sz="1000" dirty="0"/>
+                        <a:t>INT</a:t>
+                      </a:r>
+                    </a:p>
+                  </a:txBody>
+                  <a:tcPr/>
+                </a:tc>
+                <a:tc>
+                  <a:txBody>
+                    <a:bodyPr/>
+                    <a:lstStyle/>
+                    <a:p>
+                      <a:r>
+                        <a:rPr lang="es-MX" sz="1000" dirty="0"/>
+                        <a:t>Usuario que realizó la acción</a:t>
+                      </a:r>
+                      <a:endParaRPr lang="es-CL" sz="1000" dirty="0"/>
+                    </a:p>
+                  </a:txBody>
+                  <a:tcPr/>
+                </a:tc>
+                <a:extLst>
+                  <a:ext uri="{0D108BD9-81ED-4DB2-BD59-A6C34878D82A}">
+                    <a16:rowId xmlns:a16="http://schemas.microsoft.com/office/drawing/2014/main" val="1032809334"/>
+                  </a:ext>
+                </a:extLst>
+              </a:tr>
+            </a:tbl>
+          </a:graphicData>
+        </a:graphic>
+      </p:graphicFrame>
+      <p:sp>
+        <p:nvSpPr>
+          <p:cNvPr id="9" name="CuadroTexto 8">
+            <a:extLst>
+              <a:ext uri="{FF2B5EF4-FFF2-40B4-BE49-F238E27FC236}">
+                <a16:creationId xmlns:a16="http://schemas.microsoft.com/office/drawing/2014/main" id="{E8C4B949-443B-F0C5-4E57-0A1B9B7CFD1A}"/>
+              </a:ext>
+            </a:extLst>
+          </p:cNvPr>
+          <p:cNvSpPr txBox="1"/>
+          <p:nvPr/>
+        </p:nvSpPr>
+        <p:spPr>
+          <a:xfrm>
+            <a:off x="367491" y="3867822"/>
+            <a:ext cx="3148236" cy="307777"/>
+          </a:xfrm>
+          <a:prstGeom prst="rect">
+            <a:avLst/>
+          </a:prstGeom>
+          <a:noFill/>
+        </p:spPr>
+        <p:txBody>
+          <a:bodyPr wrap="square" rtlCol="0">
+            <a:spAutoFit/>
+          </a:bodyPr>
+          <a:lstStyle/>
+          <a:p>
+            <a:r>
+              <a:rPr lang="es-MX" dirty="0"/>
+              <a:t>Tabla: Historial de visitas</a:t>
+            </a:r>
+            <a:endParaRPr lang="es-CL" dirty="0"/>
           </a:p>
         </p:txBody>
       </p:sp>
